--- a/Bemutato.pptx
+++ b/Bemutato.pptx
@@ -118,6 +118,11 @@
       </a:defRPr>
     </a:lvl9pPr>
   </p:defaultTextStyle>
+  <p:extLst>
+    <p:ext uri="{EFAFB233-063F-42B5-8137-9DF3F51BA10A}">
+      <p15:sldGuideLst xmlns:p15="http://schemas.microsoft.com/office/powerpoint/2012/main"/>
+    </p:ext>
+  </p:extLst>
 </p:presentation>
 </file>
 
@@ -5402,8 +5407,8 @@
         </p:blipFill>
         <p:spPr>
           <a:xfrm>
-            <a:off x="44450" y="0"/>
-            <a:ext cx="1587500" cy="1587500"/>
+            <a:off x="0" y="0"/>
+            <a:ext cx="1631950" cy="1587500"/>
           </a:xfrm>
         </p:spPr>
       </p:pic>
@@ -5700,8 +5705,8 @@
         </p:blipFill>
         <p:spPr>
           <a:xfrm>
-            <a:off x="44450" y="0"/>
-            <a:ext cx="1587500" cy="1587500"/>
+            <a:off x="-9236" y="0"/>
+            <a:ext cx="1641186" cy="1587500"/>
           </a:xfrm>
         </p:spPr>
       </p:pic>
